--- a/Presentation/FinalPresentation.pptx
+++ b/Presentation/FinalPresentation.pptx
@@ -10,14 +10,16 @@
     <p:sldId id="257" r:id="rId4"/>
     <p:sldId id="258" r:id="rId5"/>
     <p:sldId id="260" r:id="rId6"/>
-    <p:sldId id="265" r:id="rId7"/>
-    <p:sldId id="269" r:id="rId8"/>
-    <p:sldId id="262" r:id="rId9"/>
-    <p:sldId id="271" r:id="rId10"/>
-    <p:sldId id="268" r:id="rId11"/>
-    <p:sldId id="272" r:id="rId12"/>
+    <p:sldId id="272" r:id="rId7"/>
+    <p:sldId id="265" r:id="rId8"/>
+    <p:sldId id="269" r:id="rId9"/>
+    <p:sldId id="262" r:id="rId10"/>
+    <p:sldId id="274" r:id="rId11"/>
+    <p:sldId id="271" r:id="rId12"/>
     <p:sldId id="266" r:id="rId13"/>
-    <p:sldId id="267" r:id="rId14"/>
+    <p:sldId id="273" r:id="rId14"/>
+    <p:sldId id="267" r:id="rId15"/>
+    <p:sldId id="268" r:id="rId16"/>
   </p:sldIdLst>
   <p:sldSz cx="12192000" cy="6858000"/>
   <p:notesSz cx="6858000" cy="9144000"/>
@@ -6194,7 +6196,7 @@
           <a:p>
             <a:fld id="{EF8F55E9-2656-4CA6-B4B8-690A48373171}" type="datetimeFigureOut">
               <a:rPr lang="en-US" smtClean="0"/>
-              <a:t>4/9/2019</a:t>
+              <a:t>4/17/2019</a:t>
             </a:fld>
             <a:endParaRPr lang="en-US"/>
           </a:p>
@@ -6364,7 +6366,7 @@
           <a:p>
             <a:fld id="{EF8F55E9-2656-4CA6-B4B8-690A48373171}" type="datetimeFigureOut">
               <a:rPr lang="en-US" smtClean="0"/>
-              <a:t>4/9/2019</a:t>
+              <a:t>4/17/2019</a:t>
             </a:fld>
             <a:endParaRPr lang="en-US"/>
           </a:p>
@@ -6544,7 +6546,7 @@
           <a:p>
             <a:fld id="{EF8F55E9-2656-4CA6-B4B8-690A48373171}" type="datetimeFigureOut">
               <a:rPr lang="en-US" smtClean="0"/>
-              <a:t>4/9/2019</a:t>
+              <a:t>4/17/2019</a:t>
             </a:fld>
             <a:endParaRPr lang="en-US"/>
           </a:p>
@@ -6714,7 +6716,7 @@
           <a:p>
             <a:fld id="{EF8F55E9-2656-4CA6-B4B8-690A48373171}" type="datetimeFigureOut">
               <a:rPr lang="en-US" smtClean="0"/>
-              <a:t>4/9/2019</a:t>
+              <a:t>4/17/2019</a:t>
             </a:fld>
             <a:endParaRPr lang="en-US"/>
           </a:p>
@@ -6960,7 +6962,7 @@
           <a:p>
             <a:fld id="{EF8F55E9-2656-4CA6-B4B8-690A48373171}" type="datetimeFigureOut">
               <a:rPr lang="en-US" smtClean="0"/>
-              <a:t>4/9/2019</a:t>
+              <a:t>4/17/2019</a:t>
             </a:fld>
             <a:endParaRPr lang="en-US"/>
           </a:p>
@@ -7192,7 +7194,7 @@
           <a:p>
             <a:fld id="{EF8F55E9-2656-4CA6-B4B8-690A48373171}" type="datetimeFigureOut">
               <a:rPr lang="en-US" smtClean="0"/>
-              <a:t>4/9/2019</a:t>
+              <a:t>4/17/2019</a:t>
             </a:fld>
             <a:endParaRPr lang="en-US"/>
           </a:p>
@@ -7559,7 +7561,7 @@
           <a:p>
             <a:fld id="{EF8F55E9-2656-4CA6-B4B8-690A48373171}" type="datetimeFigureOut">
               <a:rPr lang="en-US" smtClean="0"/>
-              <a:t>4/9/2019</a:t>
+              <a:t>4/17/2019</a:t>
             </a:fld>
             <a:endParaRPr lang="en-US"/>
           </a:p>
@@ -7677,7 +7679,7 @@
           <a:p>
             <a:fld id="{EF8F55E9-2656-4CA6-B4B8-690A48373171}" type="datetimeFigureOut">
               <a:rPr lang="en-US" smtClean="0"/>
-              <a:t>4/9/2019</a:t>
+              <a:t>4/17/2019</a:t>
             </a:fld>
             <a:endParaRPr lang="en-US"/>
           </a:p>
@@ -7772,7 +7774,7 @@
           <a:p>
             <a:fld id="{EF8F55E9-2656-4CA6-B4B8-690A48373171}" type="datetimeFigureOut">
               <a:rPr lang="en-US" smtClean="0"/>
-              <a:t>4/9/2019</a:t>
+              <a:t>4/17/2019</a:t>
             </a:fld>
             <a:endParaRPr lang="en-US"/>
           </a:p>
@@ -8049,7 +8051,7 @@
           <a:p>
             <a:fld id="{EF8F55E9-2656-4CA6-B4B8-690A48373171}" type="datetimeFigureOut">
               <a:rPr lang="en-US" smtClean="0"/>
-              <a:t>4/9/2019</a:t>
+              <a:t>4/17/2019</a:t>
             </a:fld>
             <a:endParaRPr lang="en-US"/>
           </a:p>
@@ -8306,7 +8308,7 @@
           <a:p>
             <a:fld id="{EF8F55E9-2656-4CA6-B4B8-690A48373171}" type="datetimeFigureOut">
               <a:rPr lang="en-US" smtClean="0"/>
-              <a:t>4/9/2019</a:t>
+              <a:t>4/17/2019</a:t>
             </a:fld>
             <a:endParaRPr lang="en-US"/>
           </a:p>
@@ -8519,7 +8521,7 @@
           <a:p>
             <a:fld id="{EF8F55E9-2656-4CA6-B4B8-690A48373171}" type="datetimeFigureOut">
               <a:rPr lang="en-US" smtClean="0"/>
-              <a:t>4/9/2019</a:t>
+              <a:t>4/17/2019</a:t>
             </a:fld>
             <a:endParaRPr lang="en-US"/>
           </a:p>
@@ -8942,8 +8944,8 @@
         </p:nvSpPr>
         <p:spPr>
           <a:xfrm>
-            <a:off x="433136" y="5091762"/>
-            <a:ext cx="8509386" cy="1264588"/>
+            <a:off x="125835" y="5091762"/>
+            <a:ext cx="9068499" cy="1264588"/>
           </a:xfrm>
         </p:spPr>
         <p:txBody>
@@ -8958,7 +8960,7 @@
                 <a:latin typeface="Times New Roman" panose="02020603050405020304" pitchFamily="18" charset="0"/>
                 <a:cs typeface="Times New Roman" panose="02020603050405020304" pitchFamily="18" charset="0"/>
               </a:rPr>
-              <a:t>Modeling Diabetic Patient Mortality</a:t>
+              <a:t>Modeling Diabetic Patient’s Mortality</a:t>
             </a:r>
           </a:p>
         </p:txBody>
@@ -9102,7 +9104,7 @@
           <p:cNvPr id="2" name="Title 1">
             <a:extLst>
               <a:ext uri="{FF2B5EF4-FFF2-40B4-BE49-F238E27FC236}">
-                <a16:creationId xmlns:a16="http://schemas.microsoft.com/office/drawing/2014/main" id="{95FA7F8B-AEC4-4D62-BE72-42B66DC5FDC5}"/>
+                <a16:creationId xmlns:a16="http://schemas.microsoft.com/office/drawing/2014/main" id="{332A2978-A93D-462D-8D10-9C86ED1DE78C}"/>
               </a:ext>
             </a:extLst>
           </p:cNvPr>
@@ -9115,18 +9117,17 @@
         </p:nvSpPr>
         <p:spPr/>
         <p:txBody>
-          <a:bodyPr>
-            <a:normAutofit/>
-          </a:bodyPr>
+          <a:bodyPr/>
           <a:lstStyle/>
           <a:p>
             <a:r>
-              <a:rPr lang="en-US" sz="4000" dirty="0">
+              <a:rPr lang="en-US" dirty="0">
                 <a:latin typeface="Times New Roman" panose="02020603050405020304" pitchFamily="18" charset="0"/>
                 <a:cs typeface="Times New Roman" panose="02020603050405020304" pitchFamily="18" charset="0"/>
               </a:rPr>
-              <a:t>Other Topics Investigated During Research </a:t>
+              <a:t>Convolutional Neural Network</a:t>
             </a:r>
+            <a:endParaRPr lang="en-US" dirty="0"/>
           </a:p>
         </p:txBody>
       </p:sp>
@@ -9135,7 +9136,7 @@
           <p:cNvPr id="3" name="Content Placeholder 2">
             <a:extLst>
               <a:ext uri="{FF2B5EF4-FFF2-40B4-BE49-F238E27FC236}">
-                <a16:creationId xmlns:a16="http://schemas.microsoft.com/office/drawing/2014/main" id="{9252618E-2B73-4AF9-8CE9-AB7244A2F324}"/>
+                <a16:creationId xmlns:a16="http://schemas.microsoft.com/office/drawing/2014/main" id="{4A645F66-CC49-4102-A8AE-BF9E79EC2F5E}"/>
               </a:ext>
             </a:extLst>
           </p:cNvPr>
@@ -9151,44 +9152,98 @@
           <a:bodyPr/>
           <a:lstStyle/>
           <a:p>
-            <a:r>
-              <a:rPr lang="en-US" sz="3200" dirty="0">
-                <a:latin typeface="Times New Roman" panose="02020603050405020304" pitchFamily="18" charset="0"/>
-                <a:cs typeface="Times New Roman" panose="02020603050405020304" pitchFamily="18" charset="0"/>
-              </a:rPr>
-              <a:t>The relationship of different variables (ex. ICD9 codes) for patients who have diabetes</a:t>
-            </a:r>
-          </a:p>
-          <a:p>
-            <a:r>
-              <a:rPr lang="en-US" sz="3200" dirty="0">
-                <a:latin typeface="Times New Roman" panose="02020603050405020304" pitchFamily="18" charset="0"/>
-                <a:cs typeface="Times New Roman" panose="02020603050405020304" pitchFamily="18" charset="0"/>
-              </a:rPr>
-              <a:t>The use of medical notes to predict diabetes code </a:t>
-            </a:r>
-          </a:p>
-          <a:p>
-            <a:r>
-              <a:rPr lang="en-US" sz="3200" dirty="0">
-                <a:latin typeface="Times New Roman" panose="02020603050405020304" pitchFamily="18" charset="0"/>
-                <a:cs typeface="Times New Roman" panose="02020603050405020304" pitchFamily="18" charset="0"/>
-              </a:rPr>
-              <a:t>The consistency of ICD9 coding of individual diabetic patients over time</a:t>
-            </a:r>
-          </a:p>
-          <a:p>
             <a:endParaRPr lang="en-US" dirty="0"/>
           </a:p>
-          <a:p>
-            <a:endParaRPr lang="en-US" dirty="0"/>
+        </p:txBody>
+      </p:sp>
+      <p:pic>
+        <p:nvPicPr>
+          <p:cNvPr id="4" name="Picture 3">
+            <a:extLst>
+              <a:ext uri="{FF2B5EF4-FFF2-40B4-BE49-F238E27FC236}">
+                <a16:creationId xmlns:a16="http://schemas.microsoft.com/office/drawing/2014/main" id="{FAB67606-A7CA-4323-96D1-2EE9F92E1D57}"/>
+              </a:ext>
+            </a:extLst>
+          </p:cNvPr>
+          <p:cNvPicPr>
+            <a:picLocks noChangeAspect="1"/>
+          </p:cNvPicPr>
+          <p:nvPr/>
+        </p:nvPicPr>
+        <p:blipFill>
+          <a:blip r:embed="rId2"/>
+          <a:stretch>
+            <a:fillRect/>
+          </a:stretch>
+        </p:blipFill>
+        <p:spPr>
+          <a:xfrm>
+            <a:off x="2265869" y="1930393"/>
+            <a:ext cx="7660262" cy="3271383"/>
+          </a:xfrm>
+          <a:prstGeom prst="rect">
+            <a:avLst/>
+          </a:prstGeom>
+        </p:spPr>
+      </p:pic>
+      <p:sp>
+        <p:nvSpPr>
+          <p:cNvPr id="5" name="Rectangle 4">
+            <a:extLst>
+              <a:ext uri="{FF2B5EF4-FFF2-40B4-BE49-F238E27FC236}">
+                <a16:creationId xmlns:a16="http://schemas.microsoft.com/office/drawing/2014/main" id="{CED5F2C2-9142-42C2-9068-97F93E9E1F2D}"/>
+              </a:ext>
+            </a:extLst>
+          </p:cNvPr>
+          <p:cNvSpPr/>
+          <p:nvPr/>
+        </p:nvSpPr>
+        <p:spPr>
+          <a:xfrm>
+            <a:off x="3403580" y="2163027"/>
+            <a:ext cx="631525" cy="2736144"/>
+          </a:xfrm>
+          <a:prstGeom prst="rect">
+            <a:avLst/>
+          </a:prstGeom>
+          <a:solidFill>
+            <a:schemeClr val="tx1"/>
+          </a:solidFill>
+          <a:ln>
+            <a:solidFill>
+              <a:schemeClr val="tx1"/>
+            </a:solidFill>
+          </a:ln>
+        </p:spPr>
+        <p:style>
+          <a:lnRef idx="2">
+            <a:schemeClr val="accent1">
+              <a:shade val="50000"/>
+            </a:schemeClr>
+          </a:lnRef>
+          <a:fillRef idx="1">
+            <a:schemeClr val="accent1"/>
+          </a:fillRef>
+          <a:effectRef idx="0">
+            <a:schemeClr val="accent1"/>
+          </a:effectRef>
+          <a:fontRef idx="minor">
+            <a:schemeClr val="lt1"/>
+          </a:fontRef>
+        </p:style>
+        <p:txBody>
+          <a:bodyPr rtlCol="0" anchor="ctr"/>
+          <a:lstStyle/>
+          <a:p>
+            <a:pPr algn="ctr"/>
+            <a:endParaRPr lang="en-US"/>
           </a:p>
         </p:txBody>
       </p:sp>
     </p:spTree>
     <p:extLst>
       <p:ext uri="{BB962C8B-B14F-4D97-AF65-F5344CB8AC3E}">
-        <p14:creationId xmlns:p14="http://schemas.microsoft.com/office/powerpoint/2010/main" val="4098539916"/>
+        <p14:creationId xmlns:p14="http://schemas.microsoft.com/office/powerpoint/2010/main" val="89545821"/>
       </p:ext>
     </p:extLst>
   </p:cSld>
@@ -9220,7 +9275,7 @@
           <p:cNvPr id="2" name="Title 1">
             <a:extLst>
               <a:ext uri="{FF2B5EF4-FFF2-40B4-BE49-F238E27FC236}">
-                <a16:creationId xmlns:a16="http://schemas.microsoft.com/office/drawing/2014/main" id="{D60594B8-A617-4E3B-BAE0-D6249CD7B116}"/>
+                <a16:creationId xmlns:a16="http://schemas.microsoft.com/office/drawing/2014/main" id="{1C035B57-F2B4-4105-AC41-7CBDA81FC69B}"/>
               </a:ext>
             </a:extLst>
           </p:cNvPr>
@@ -9243,17 +9298,17 @@
                 <a:latin typeface="Times New Roman" panose="02020603050405020304" pitchFamily="18" charset="0"/>
                 <a:cs typeface="Times New Roman" panose="02020603050405020304" pitchFamily="18" charset="0"/>
               </a:rPr>
-              <a:t>DM2 ICD9 Coding Consistency Research</a:t>
+              <a:t>Final Results</a:t>
             </a:r>
           </a:p>
         </p:txBody>
       </p:sp>
       <p:pic>
         <p:nvPicPr>
-          <p:cNvPr id="9" name="Content Placeholder 8">
+          <p:cNvPr id="6" name="Content Placeholder 5">
             <a:extLst>
               <a:ext uri="{FF2B5EF4-FFF2-40B4-BE49-F238E27FC236}">
-                <a16:creationId xmlns:a16="http://schemas.microsoft.com/office/drawing/2014/main" id="{622BCCCE-79D9-4BEE-8167-488E27EAAE18}"/>
+                <a16:creationId xmlns:a16="http://schemas.microsoft.com/office/drawing/2014/main" id="{84D51EE9-E07E-4421-8B6B-2418B7327DCB}"/>
               </a:ext>
             </a:extLst>
           </p:cNvPr>
@@ -9264,29 +9319,83 @@
             <p:ph idx="1"/>
           </p:nvPr>
         </p:nvPicPr>
-        <p:blipFill>
-          <a:blip r:embed="rId2">
-            <a:extLst>
-              <a:ext uri="{28A0092B-C50C-407E-A947-70E740481C1C}">
-                <a14:useLocalDpi xmlns:a14="http://schemas.microsoft.com/office/drawing/2010/main" val="0"/>
-              </a:ext>
-            </a:extLst>
-          </a:blip>
-          <a:stretch>
-            <a:fillRect/>
-          </a:stretch>
+        <p:blipFill rotWithShape="1">
+          <a:blip r:embed="rId2"/>
+          <a:srcRect l="26442" t="37740" r="55640" b="36013"/>
+          <a:stretch/>
         </p:blipFill>
         <p:spPr>
           <a:xfrm>
-            <a:off x="2762250" y="1945718"/>
-            <a:ext cx="6667500" cy="4286250"/>
+            <a:off x="6455646" y="1475080"/>
+            <a:ext cx="3699896" cy="3048633"/>
           </a:xfrm>
+          <a:prstGeom prst="rect">
+            <a:avLst/>
+          </a:prstGeom>
+        </p:spPr>
+      </p:pic>
+      <p:pic>
+        <p:nvPicPr>
+          <p:cNvPr id="5" name="Picture 4">
+            <a:extLst>
+              <a:ext uri="{FF2B5EF4-FFF2-40B4-BE49-F238E27FC236}">
+                <a16:creationId xmlns:a16="http://schemas.microsoft.com/office/drawing/2014/main" id="{00506F79-D220-42A5-8BAB-D4DA66D1CE24}"/>
+              </a:ext>
+            </a:extLst>
+          </p:cNvPr>
+          <p:cNvPicPr>
+            <a:picLocks noChangeAspect="1"/>
+          </p:cNvPicPr>
+          <p:nvPr/>
+        </p:nvPicPr>
+        <p:blipFill rotWithShape="1">
+          <a:blip r:embed="rId3"/>
+          <a:srcRect l="26216" t="33192" r="46674" b="41407"/>
+          <a:stretch/>
+        </p:blipFill>
+        <p:spPr>
+          <a:xfrm>
+            <a:off x="1492541" y="4523713"/>
+            <a:ext cx="4082260" cy="2151577"/>
+          </a:xfrm>
+          <a:prstGeom prst="rect">
+            <a:avLst/>
+          </a:prstGeom>
+        </p:spPr>
+      </p:pic>
+      <p:pic>
+        <p:nvPicPr>
+          <p:cNvPr id="3" name="Picture 2">
+            <a:extLst>
+              <a:ext uri="{FF2B5EF4-FFF2-40B4-BE49-F238E27FC236}">
+                <a16:creationId xmlns:a16="http://schemas.microsoft.com/office/drawing/2014/main" id="{53469272-F9D4-4541-8898-2B5218625DE0}"/>
+              </a:ext>
+            </a:extLst>
+          </p:cNvPr>
+          <p:cNvPicPr>
+            <a:picLocks noChangeAspect="1"/>
+          </p:cNvPicPr>
+          <p:nvPr/>
+        </p:nvPicPr>
+        <p:blipFill rotWithShape="1">
+          <a:blip r:embed="rId4"/>
+          <a:srcRect l="26448" t="34459" r="52631" b="40070"/>
+          <a:stretch/>
+        </p:blipFill>
+        <p:spPr>
+          <a:xfrm>
+            <a:off x="1492541" y="1475080"/>
+            <a:ext cx="4082260" cy="2795660"/>
+          </a:xfrm>
+          <a:prstGeom prst="rect">
+            <a:avLst/>
+          </a:prstGeom>
         </p:spPr>
       </p:pic>
     </p:spTree>
     <p:extLst>
       <p:ext uri="{BB962C8B-B14F-4D97-AF65-F5344CB8AC3E}">
-        <p14:creationId xmlns:p14="http://schemas.microsoft.com/office/powerpoint/2010/main" val="1674878918"/>
+        <p14:creationId xmlns:p14="http://schemas.microsoft.com/office/powerpoint/2010/main" val="3977036947"/>
       </p:ext>
     </p:extLst>
   </p:cSld>
@@ -9377,7 +9486,7 @@
                 <a:latin typeface="Times New Roman" panose="02020603050405020304" pitchFamily="18" charset="0"/>
                 <a:cs typeface="Times New Roman" panose="02020603050405020304" pitchFamily="18" charset="0"/>
               </a:rPr>
-              <a:t>Predictions models can beneficial to assist medical experts in decision making </a:t>
+              <a:t>Prediction models can be beneficial in assisting medical experts in decision making. </a:t>
             </a:r>
           </a:p>
           <a:p>
@@ -9405,7 +9514,7 @@
                 <a:latin typeface="Times New Roman" panose="02020603050405020304" pitchFamily="18" charset="0"/>
                 <a:cs typeface="Times New Roman" panose="02020603050405020304" pitchFamily="18" charset="0"/>
               </a:rPr>
-              <a:t>Further NLP (Natural Language Processing) on the medical text of patients as additional features</a:t>
+              <a:t>Further investigation into mortality results in correlation to how strictly a patient’s glucose levels are monitored.</a:t>
             </a:r>
           </a:p>
           <a:p>
@@ -9437,6 +9546,152 @@
 </file>
 
 <file path=ppt/slides/slide13.xml><?xml version="1.0" encoding="utf-8"?>
+<p:sld xmlns:a="http://schemas.openxmlformats.org/drawingml/2006/main" xmlns:r="http://schemas.openxmlformats.org/officeDocument/2006/relationships" xmlns:p="http://schemas.openxmlformats.org/presentationml/2006/main">
+  <p:cSld>
+    <p:spTree>
+      <p:nvGrpSpPr>
+        <p:cNvPr id="1" name=""/>
+        <p:cNvGrpSpPr/>
+        <p:nvPr/>
+      </p:nvGrpSpPr>
+      <p:grpSpPr>
+        <a:xfrm>
+          <a:off x="0" y="0"/>
+          <a:ext cx="0" cy="0"/>
+          <a:chOff x="0" y="0"/>
+          <a:chExt cx="0" cy="0"/>
+        </a:xfrm>
+      </p:grpSpPr>
+      <p:sp>
+        <p:nvSpPr>
+          <p:cNvPr id="2" name="Title 1">
+            <a:extLst>
+              <a:ext uri="{FF2B5EF4-FFF2-40B4-BE49-F238E27FC236}">
+                <a16:creationId xmlns:a16="http://schemas.microsoft.com/office/drawing/2014/main" id="{68B147E2-602B-4B40-B361-D3051639D037}"/>
+              </a:ext>
+            </a:extLst>
+          </p:cNvPr>
+          <p:cNvSpPr>
+            <a:spLocks noGrp="1"/>
+          </p:cNvSpPr>
+          <p:nvPr>
+            <p:ph type="title"/>
+          </p:nvPr>
+        </p:nvSpPr>
+        <p:spPr/>
+        <p:txBody>
+          <a:bodyPr/>
+          <a:lstStyle/>
+          <a:p>
+            <a:r>
+              <a:rPr lang="en-US" sz="4000" dirty="0">
+                <a:latin typeface="Times New Roman" panose="02020603050405020304" pitchFamily="18" charset="0"/>
+                <a:cs typeface="Times New Roman" panose="02020603050405020304" pitchFamily="18" charset="0"/>
+              </a:rPr>
+              <a:t>Acknowledgments</a:t>
+            </a:r>
+            <a:r>
+              <a:rPr lang="en-US" dirty="0"/>
+              <a:t> </a:t>
+            </a:r>
+          </a:p>
+        </p:txBody>
+      </p:sp>
+      <p:sp>
+        <p:nvSpPr>
+          <p:cNvPr id="3" name="Content Placeholder 2">
+            <a:extLst>
+              <a:ext uri="{FF2B5EF4-FFF2-40B4-BE49-F238E27FC236}">
+                <a16:creationId xmlns:a16="http://schemas.microsoft.com/office/drawing/2014/main" id="{07BF04CF-2C02-49AE-860C-8422CB833C03}"/>
+              </a:ext>
+            </a:extLst>
+          </p:cNvPr>
+          <p:cNvSpPr>
+            <a:spLocks noGrp="1"/>
+          </p:cNvSpPr>
+          <p:nvPr>
+            <p:ph idx="1"/>
+          </p:nvPr>
+        </p:nvSpPr>
+        <p:spPr/>
+        <p:txBody>
+          <a:bodyPr>
+            <a:normAutofit/>
+          </a:bodyPr>
+          <a:lstStyle/>
+          <a:p>
+            <a:pPr marL="0" indent="0">
+              <a:buNone/>
+            </a:pPr>
+            <a:r>
+              <a:rPr lang="en-US" dirty="0">
+                <a:latin typeface="Times New Roman" panose="02020603050405020304" pitchFamily="18" charset="0"/>
+                <a:cs typeface="Times New Roman" panose="02020603050405020304" pitchFamily="18" charset="0"/>
+              </a:rPr>
+              <a:t>Id like to thank the following people for there assistance in this project:</a:t>
+            </a:r>
+          </a:p>
+          <a:p>
+            <a:r>
+              <a:rPr lang="en-US" sz="3200" dirty="0">
+                <a:latin typeface="Times New Roman" panose="02020603050405020304" pitchFamily="18" charset="0"/>
+                <a:cs typeface="Times New Roman" panose="02020603050405020304" pitchFamily="18" charset="0"/>
+              </a:rPr>
+              <a:t>Dr. Liu</a:t>
+            </a:r>
+          </a:p>
+          <a:p>
+            <a:r>
+              <a:rPr lang="en-US" sz="3200" dirty="0">
+                <a:latin typeface="Times New Roman" panose="02020603050405020304" pitchFamily="18" charset="0"/>
+                <a:cs typeface="Times New Roman" panose="02020603050405020304" pitchFamily="18" charset="0"/>
+              </a:rPr>
+              <a:t>Dr. Dong </a:t>
+            </a:r>
+          </a:p>
+          <a:p>
+            <a:r>
+              <a:rPr lang="en-US" sz="3200" dirty="0">
+                <a:latin typeface="Times New Roman" panose="02020603050405020304" pitchFamily="18" charset="0"/>
+                <a:cs typeface="Times New Roman" panose="02020603050405020304" pitchFamily="18" charset="0"/>
+              </a:rPr>
+              <a:t>Dr. Kennedy</a:t>
+            </a:r>
+          </a:p>
+          <a:p>
+            <a:r>
+              <a:rPr lang="en-US" sz="3200" dirty="0">
+                <a:latin typeface="Times New Roman" panose="02020603050405020304" pitchFamily="18" charset="0"/>
+                <a:cs typeface="Times New Roman" panose="02020603050405020304" pitchFamily="18" charset="0"/>
+              </a:rPr>
+              <a:t>Dr. Darby</a:t>
+            </a:r>
+          </a:p>
+          <a:p>
+            <a:r>
+              <a:rPr lang="en-US" sz="3200" dirty="0">
+                <a:latin typeface="Times New Roman" panose="02020603050405020304" pitchFamily="18" charset="0"/>
+                <a:cs typeface="Times New Roman" panose="02020603050405020304" pitchFamily="18" charset="0"/>
+              </a:rPr>
+              <a:t>Dr. Campbell</a:t>
+            </a:r>
+          </a:p>
+        </p:txBody>
+      </p:sp>
+    </p:spTree>
+    <p:extLst>
+      <p:ext uri="{BB962C8B-B14F-4D97-AF65-F5344CB8AC3E}">
+        <p14:creationId xmlns:p14="http://schemas.microsoft.com/office/powerpoint/2010/main" val="951712467"/>
+      </p:ext>
+    </p:extLst>
+  </p:cSld>
+  <p:clrMapOvr>
+    <a:masterClrMapping/>
+  </p:clrMapOvr>
+</p:sld>
+</file>
+
+<file path=ppt/slides/slide14.xml><?xml version="1.0" encoding="utf-8"?>
 <p:sld xmlns:a="http://schemas.openxmlformats.org/drawingml/2006/main" xmlns:r="http://schemas.openxmlformats.org/officeDocument/2006/relationships" xmlns:p="http://schemas.openxmlformats.org/presentationml/2006/main">
   <p:cSld>
     <p:spTree>
@@ -9684,6 +9939,124 @@
     <p:extLst>
       <p:ext uri="{BB962C8B-B14F-4D97-AF65-F5344CB8AC3E}">
         <p14:creationId xmlns:p14="http://schemas.microsoft.com/office/powerpoint/2010/main" val="350858261"/>
+      </p:ext>
+    </p:extLst>
+  </p:cSld>
+  <p:clrMapOvr>
+    <a:masterClrMapping/>
+  </p:clrMapOvr>
+</p:sld>
+</file>
+
+<file path=ppt/slides/slide15.xml><?xml version="1.0" encoding="utf-8"?>
+<p:sld xmlns:a="http://schemas.openxmlformats.org/drawingml/2006/main" xmlns:r="http://schemas.openxmlformats.org/officeDocument/2006/relationships" xmlns:p="http://schemas.openxmlformats.org/presentationml/2006/main">
+  <p:cSld>
+    <p:spTree>
+      <p:nvGrpSpPr>
+        <p:cNvPr id="1" name=""/>
+        <p:cNvGrpSpPr/>
+        <p:nvPr/>
+      </p:nvGrpSpPr>
+      <p:grpSpPr>
+        <a:xfrm>
+          <a:off x="0" y="0"/>
+          <a:ext cx="0" cy="0"/>
+          <a:chOff x="0" y="0"/>
+          <a:chExt cx="0" cy="0"/>
+        </a:xfrm>
+      </p:grpSpPr>
+      <p:sp>
+        <p:nvSpPr>
+          <p:cNvPr id="2" name="Title 1">
+            <a:extLst>
+              <a:ext uri="{FF2B5EF4-FFF2-40B4-BE49-F238E27FC236}">
+                <a16:creationId xmlns:a16="http://schemas.microsoft.com/office/drawing/2014/main" id="{95FA7F8B-AEC4-4D62-BE72-42B66DC5FDC5}"/>
+              </a:ext>
+            </a:extLst>
+          </p:cNvPr>
+          <p:cNvSpPr>
+            <a:spLocks noGrp="1"/>
+          </p:cNvSpPr>
+          <p:nvPr>
+            <p:ph type="title"/>
+          </p:nvPr>
+        </p:nvSpPr>
+        <p:spPr/>
+        <p:txBody>
+          <a:bodyPr>
+            <a:normAutofit/>
+          </a:bodyPr>
+          <a:lstStyle/>
+          <a:p>
+            <a:r>
+              <a:rPr lang="en-US" sz="4000" dirty="0">
+                <a:latin typeface="Times New Roman" panose="02020603050405020304" pitchFamily="18" charset="0"/>
+                <a:cs typeface="Times New Roman" panose="02020603050405020304" pitchFamily="18" charset="0"/>
+              </a:rPr>
+              <a:t>Other Topics Investigated During Research </a:t>
+            </a:r>
+          </a:p>
+        </p:txBody>
+      </p:sp>
+      <p:sp>
+        <p:nvSpPr>
+          <p:cNvPr id="3" name="Content Placeholder 2">
+            <a:extLst>
+              <a:ext uri="{FF2B5EF4-FFF2-40B4-BE49-F238E27FC236}">
+                <a16:creationId xmlns:a16="http://schemas.microsoft.com/office/drawing/2014/main" id="{9252618E-2B73-4AF9-8CE9-AB7244A2F324}"/>
+              </a:ext>
+            </a:extLst>
+          </p:cNvPr>
+          <p:cNvSpPr>
+            <a:spLocks noGrp="1"/>
+          </p:cNvSpPr>
+          <p:nvPr>
+            <p:ph idx="1"/>
+          </p:nvPr>
+        </p:nvSpPr>
+        <p:spPr/>
+        <p:txBody>
+          <a:bodyPr/>
+          <a:lstStyle/>
+          <a:p>
+            <a:r>
+              <a:rPr lang="en-US" sz="3200" dirty="0">
+                <a:latin typeface="Times New Roman" panose="02020603050405020304" pitchFamily="18" charset="0"/>
+                <a:cs typeface="Times New Roman" panose="02020603050405020304" pitchFamily="18" charset="0"/>
+              </a:rPr>
+              <a:t>The relationship of different variables (ex. ICD9 codes) for patients who have diabetes</a:t>
+            </a:r>
+          </a:p>
+          <a:p>
+            <a:r>
+              <a:rPr lang="en-US" sz="3200" dirty="0">
+                <a:latin typeface="Times New Roman" panose="02020603050405020304" pitchFamily="18" charset="0"/>
+                <a:cs typeface="Times New Roman" panose="02020603050405020304" pitchFamily="18" charset="0"/>
+              </a:rPr>
+              <a:t>The use of medical notes to predict diabetes code </a:t>
+            </a:r>
+          </a:p>
+          <a:p>
+            <a:r>
+              <a:rPr lang="en-US" sz="3200" dirty="0">
+                <a:latin typeface="Times New Roman" panose="02020603050405020304" pitchFamily="18" charset="0"/>
+                <a:cs typeface="Times New Roman" panose="02020603050405020304" pitchFamily="18" charset="0"/>
+              </a:rPr>
+              <a:t>The consistency of ICD9 coding of individual diabetic patients over time</a:t>
+            </a:r>
+          </a:p>
+          <a:p>
+            <a:endParaRPr lang="en-US" dirty="0"/>
+          </a:p>
+          <a:p>
+            <a:endParaRPr lang="en-US" dirty="0"/>
+          </a:p>
+        </p:txBody>
+      </p:sp>
+    </p:spTree>
+    <p:extLst>
+      <p:ext uri="{BB962C8B-B14F-4D97-AF65-F5344CB8AC3E}">
+        <p14:creationId xmlns:p14="http://schemas.microsoft.com/office/powerpoint/2010/main" val="4098539916"/>
       </p:ext>
     </p:extLst>
   </p:cSld>
@@ -9920,7 +10293,7 @@
                 <a:latin typeface="Times New Roman" panose="02020603050405020304" pitchFamily="18" charset="0"/>
                 <a:cs typeface="Times New Roman" panose="02020603050405020304" pitchFamily="18" charset="0"/>
               </a:rPr>
-              <a:t>Feature Engineering</a:t>
+              <a:t>Data Exploration</a:t>
             </a:r>
           </a:p>
           <a:p>
@@ -9929,7 +10302,7 @@
                 <a:latin typeface="Times New Roman" panose="02020603050405020304" pitchFamily="18" charset="0"/>
                 <a:cs typeface="Times New Roman" panose="02020603050405020304" pitchFamily="18" charset="0"/>
               </a:rPr>
-              <a:t>Convolutional Neural Network</a:t>
+              <a:t>Modeling</a:t>
             </a:r>
           </a:p>
           <a:p>
@@ -9947,16 +10320,7 @@
                 <a:latin typeface="Times New Roman" panose="02020603050405020304" pitchFamily="18" charset="0"/>
                 <a:cs typeface="Times New Roman" panose="02020603050405020304" pitchFamily="18" charset="0"/>
               </a:rPr>
-              <a:t>Additional Research</a:t>
-            </a:r>
-          </a:p>
-          <a:p>
-            <a:r>
-              <a:rPr lang="en-US" sz="3200" dirty="0">
-                <a:latin typeface="Times New Roman" panose="02020603050405020304" pitchFamily="18" charset="0"/>
-                <a:cs typeface="Times New Roman" panose="02020603050405020304" pitchFamily="18" charset="0"/>
-              </a:rPr>
-              <a:t>Conclusion</a:t>
+              <a:t>Conclusions</a:t>
             </a:r>
             <a:endParaRPr lang="en-US" sz="2400" dirty="0"/>
           </a:p>
@@ -10826,13 +11190,13 @@
           <p:nvPr>
             <p:extLst>
               <p:ext uri="{D42A27DB-BD31-4B8C-83A1-F6EECF244321}">
-                <p14:modId xmlns:p14="http://schemas.microsoft.com/office/powerpoint/2010/main" val="772260589"/>
+                <p14:modId xmlns:p14="http://schemas.microsoft.com/office/powerpoint/2010/main" val="1938540786"/>
               </p:ext>
             </p:extLst>
           </p:nvPr>
         </p:nvGraphicFramePr>
         <p:xfrm>
-          <a:off x="1328614" y="1469293"/>
+          <a:off x="-320829" y="1312555"/>
           <a:ext cx="7159567" cy="4934763"/>
         </p:xfrm>
         <a:graphic>
@@ -10869,7 +11233,7 @@
                 <a:latin typeface="Times New Roman" panose="02020603050405020304" pitchFamily="18" charset="0"/>
                 <a:cs typeface="Times New Roman" panose="02020603050405020304" pitchFamily="18" charset="0"/>
               </a:rPr>
-              <a:t>Feature Exploration and Visualization</a:t>
+              <a:t>Glucose Measurement Visualization</a:t>
             </a:r>
           </a:p>
         </p:txBody>
@@ -10889,20 +11253,20 @@
           <p:nvPr>
             <p:extLst>
               <p:ext uri="{D42A27DB-BD31-4B8C-83A1-F6EECF244321}">
-                <p14:modId xmlns:p14="http://schemas.microsoft.com/office/powerpoint/2010/main" val="608493958"/>
+                <p14:modId xmlns:p14="http://schemas.microsoft.com/office/powerpoint/2010/main" val="2413102503"/>
               </p:ext>
             </p:extLst>
           </p:nvPr>
         </p:nvGraphicFramePr>
         <p:xfrm>
-          <a:off x="6179944" y="5869184"/>
+          <a:off x="4020495" y="5787927"/>
           <a:ext cx="2308235" cy="704948"/>
         </p:xfrm>
         <a:graphic>
           <a:graphicData uri="http://schemas.openxmlformats.org/presentationml/2006/ole">
             <mc:AlternateContent xmlns:mc="http://schemas.openxmlformats.org/markup-compatibility/2006">
               <mc:Choice xmlns:v="urn:schemas-microsoft-com:vml" Requires="v">
-                <p:oleObj spid="_x0000_s1092" name="Packager Shell Object" showAsIcon="1" r:id="rId8" imgW="1762200" imgH="538200" progId="Package">
+                <p:oleObj spid="_x0000_s1106" name="Packager Shell Object" showAsIcon="1" r:id="rId8" imgW="1762200" imgH="538200" progId="Package">
                   <p:embed/>
                 </p:oleObj>
               </mc:Choice>
@@ -10923,7 +11287,7 @@
                     </p:blipFill>
                     <p:spPr>
                       <a:xfrm>
-                        <a:off x="6179944" y="5869184"/>
+                        <a:off x="4020495" y="5787927"/>
                         <a:ext cx="2308235" cy="704948"/>
                       </a:xfrm>
                       <a:prstGeom prst="rect">
@@ -10955,20 +11319,20 @@
           <p:nvPr>
             <p:extLst>
               <p:ext uri="{D42A27DB-BD31-4B8C-83A1-F6EECF244321}">
-                <p14:modId xmlns:p14="http://schemas.microsoft.com/office/powerpoint/2010/main" val="4165623717"/>
+                <p14:modId xmlns:p14="http://schemas.microsoft.com/office/powerpoint/2010/main" val="606710371"/>
               </p:ext>
             </p:extLst>
           </p:nvPr>
         </p:nvGraphicFramePr>
         <p:xfrm>
-          <a:off x="3762295" y="5869184"/>
+          <a:off x="1728292" y="5787927"/>
           <a:ext cx="2292203" cy="704948"/>
         </p:xfrm>
         <a:graphic>
           <a:graphicData uri="http://schemas.openxmlformats.org/presentationml/2006/ole">
             <mc:AlternateContent xmlns:mc="http://schemas.openxmlformats.org/markup-compatibility/2006">
               <mc:Choice xmlns:v="urn:schemas-microsoft-com:vml" Requires="v">
-                <p:oleObj spid="_x0000_s1093" name="Packager Shell Object" showAsIcon="1" r:id="rId10" imgW="1752480" imgH="538200" progId="Package">
+                <p:oleObj spid="_x0000_s1107" name="Packager Shell Object" showAsIcon="1" r:id="rId10" imgW="1752480" imgH="538200" progId="Package">
                   <p:embed/>
                 </p:oleObj>
               </mc:Choice>
@@ -10989,7 +11353,7 @@
                     </p:blipFill>
                     <p:spPr>
                       <a:xfrm>
-                        <a:off x="3762295" y="5869184"/>
+                        <a:off x="1728292" y="5787927"/>
                         <a:ext cx="2292203" cy="704948"/>
                       </a:xfrm>
                       <a:prstGeom prst="rect">
@@ -11006,6 +11370,102 @@
           </a:graphicData>
         </a:graphic>
       </p:graphicFrame>
+      <p:sp>
+        <p:nvSpPr>
+          <p:cNvPr id="4" name="Rectangle: Rounded Corners 3">
+            <a:extLst>
+              <a:ext uri="{FF2B5EF4-FFF2-40B4-BE49-F238E27FC236}">
+                <a16:creationId xmlns:a16="http://schemas.microsoft.com/office/drawing/2014/main" id="{9F4DBCA7-44BD-4B98-926F-8A28C7259756}"/>
+              </a:ext>
+            </a:extLst>
+          </p:cNvPr>
+          <p:cNvSpPr/>
+          <p:nvPr/>
+        </p:nvSpPr>
+        <p:spPr>
+          <a:xfrm>
+            <a:off x="6095999" y="1672397"/>
+            <a:ext cx="5585388" cy="3869973"/>
+          </a:xfrm>
+          <a:prstGeom prst="roundRect">
+            <a:avLst/>
+          </a:prstGeom>
+        </p:spPr>
+        <p:style>
+          <a:lnRef idx="2">
+            <a:schemeClr val="accent1">
+              <a:shade val="50000"/>
+            </a:schemeClr>
+          </a:lnRef>
+          <a:fillRef idx="1">
+            <a:schemeClr val="accent1"/>
+          </a:fillRef>
+          <a:effectRef idx="0">
+            <a:schemeClr val="accent1"/>
+          </a:effectRef>
+          <a:fontRef idx="minor">
+            <a:schemeClr val="lt1"/>
+          </a:fontRef>
+        </p:style>
+        <p:txBody>
+          <a:bodyPr rtlCol="0" anchor="ctr"/>
+          <a:lstStyle/>
+          <a:p>
+            <a:pPr algn="ctr"/>
+            <a:r>
+              <a:rPr lang="en-US" sz="2800" b="1" u="sng" dirty="0"/>
+              <a:t>Mimic III</a:t>
+            </a:r>
+          </a:p>
+          <a:p>
+            <a:pPr algn="ctr"/>
+            <a:endParaRPr lang="en-US" dirty="0"/>
+          </a:p>
+          <a:p>
+            <a:pPr marL="285750" indent="-285750">
+              <a:buFont typeface="Arial" panose="020B0604020202020204" pitchFamily="34" charset="0"/>
+              <a:buChar char="•"/>
+            </a:pPr>
+            <a:r>
+              <a:rPr lang="en-US" sz="2400" dirty="0"/>
+              <a:t>Over 40,000 patients</a:t>
+            </a:r>
+          </a:p>
+          <a:p>
+            <a:pPr marL="285750" indent="-285750">
+              <a:buFont typeface="Arial" panose="020B0604020202020204" pitchFamily="34" charset="0"/>
+              <a:buChar char="•"/>
+            </a:pPr>
+            <a:r>
+              <a:rPr lang="en-US" sz="2400" dirty="0"/>
+              <a:t>40-50GB of space</a:t>
+            </a:r>
+          </a:p>
+          <a:p>
+            <a:pPr marL="285750" indent="-285750">
+              <a:buFont typeface="Arial" panose="020B0604020202020204" pitchFamily="34" charset="0"/>
+              <a:buChar char="•"/>
+            </a:pPr>
+            <a:r>
+              <a:rPr lang="en-US" sz="2400" dirty="0"/>
+              <a:t>Demographics, Vital Sign Measurements, Lab Results, Procedures, Medication, Medical Notes, Mortality</a:t>
+            </a:r>
+          </a:p>
+          <a:p>
+            <a:pPr marL="285750" indent="-285750">
+              <a:buFont typeface="Arial" panose="020B0604020202020204" pitchFamily="34" charset="0"/>
+              <a:buChar char="•"/>
+            </a:pPr>
+            <a:r>
+              <a:rPr lang="en-US" sz="2400" dirty="0"/>
+              <a:t>11,820 diabetic patients with 591,117 glucose measurements recorded</a:t>
+            </a:r>
+          </a:p>
+          <a:p>
+            <a:endParaRPr lang="en-US" dirty="0"/>
+          </a:p>
+        </p:txBody>
+      </p:sp>
     </p:spTree>
     <p:extLst>
       <p:ext uri="{BB962C8B-B14F-4D97-AF65-F5344CB8AC3E}">
@@ -11143,6 +11603,104 @@
           <p:cNvPr id="2" name="Title 1">
             <a:extLst>
               <a:ext uri="{FF2B5EF4-FFF2-40B4-BE49-F238E27FC236}">
+                <a16:creationId xmlns:a16="http://schemas.microsoft.com/office/drawing/2014/main" id="{D60594B8-A617-4E3B-BAE0-D6249CD7B116}"/>
+              </a:ext>
+            </a:extLst>
+          </p:cNvPr>
+          <p:cNvSpPr>
+            <a:spLocks noGrp="1"/>
+          </p:cNvSpPr>
+          <p:nvPr>
+            <p:ph type="title"/>
+          </p:nvPr>
+        </p:nvSpPr>
+        <p:spPr/>
+        <p:txBody>
+          <a:bodyPr>
+            <a:normAutofit/>
+          </a:bodyPr>
+          <a:lstStyle/>
+          <a:p>
+            <a:r>
+              <a:rPr lang="en-US" sz="4000" dirty="0">
+                <a:latin typeface="Times New Roman" panose="02020603050405020304" pitchFamily="18" charset="0"/>
+                <a:cs typeface="Times New Roman" panose="02020603050405020304" pitchFamily="18" charset="0"/>
+              </a:rPr>
+              <a:t>ICD9 Coding Consistency</a:t>
+            </a:r>
+          </a:p>
+        </p:txBody>
+      </p:sp>
+      <p:pic>
+        <p:nvPicPr>
+          <p:cNvPr id="9" name="Content Placeholder 8">
+            <a:extLst>
+              <a:ext uri="{FF2B5EF4-FFF2-40B4-BE49-F238E27FC236}">
+                <a16:creationId xmlns:a16="http://schemas.microsoft.com/office/drawing/2014/main" id="{622BCCCE-79D9-4BEE-8167-488E27EAAE18}"/>
+              </a:ext>
+            </a:extLst>
+          </p:cNvPr>
+          <p:cNvPicPr>
+            <a:picLocks noGrp="1" noChangeAspect="1"/>
+          </p:cNvPicPr>
+          <p:nvPr>
+            <p:ph idx="1"/>
+          </p:nvPr>
+        </p:nvPicPr>
+        <p:blipFill>
+          <a:blip r:embed="rId2">
+            <a:extLst>
+              <a:ext uri="{28A0092B-C50C-407E-A947-70E740481C1C}">
+                <a14:useLocalDpi xmlns:a14="http://schemas.microsoft.com/office/drawing/2010/main" val="0"/>
+              </a:ext>
+            </a:extLst>
+          </a:blip>
+          <a:stretch>
+            <a:fillRect/>
+          </a:stretch>
+        </p:blipFill>
+        <p:spPr>
+          <a:xfrm>
+            <a:off x="2762250" y="1945718"/>
+            <a:ext cx="6667500" cy="4286250"/>
+          </a:xfrm>
+        </p:spPr>
+      </p:pic>
+    </p:spTree>
+    <p:extLst>
+      <p:ext uri="{BB962C8B-B14F-4D97-AF65-F5344CB8AC3E}">
+        <p14:creationId xmlns:p14="http://schemas.microsoft.com/office/powerpoint/2010/main" val="1674878918"/>
+      </p:ext>
+    </p:extLst>
+  </p:cSld>
+  <p:clrMapOvr>
+    <a:masterClrMapping/>
+  </p:clrMapOvr>
+</p:sld>
+</file>
+
+<file path=ppt/slides/slide7.xml><?xml version="1.0" encoding="utf-8"?>
+<p:sld xmlns:a="http://schemas.openxmlformats.org/drawingml/2006/main" xmlns:r="http://schemas.openxmlformats.org/officeDocument/2006/relationships" xmlns:p="http://schemas.openxmlformats.org/presentationml/2006/main">
+  <p:cSld>
+    <p:spTree>
+      <p:nvGrpSpPr>
+        <p:cNvPr id="1" name=""/>
+        <p:cNvGrpSpPr/>
+        <p:nvPr/>
+      </p:nvGrpSpPr>
+      <p:grpSpPr>
+        <a:xfrm>
+          <a:off x="0" y="0"/>
+          <a:ext cx="0" cy="0"/>
+          <a:chOff x="0" y="0"/>
+          <a:chExt cx="0" cy="0"/>
+        </a:xfrm>
+      </p:grpSpPr>
+      <p:sp>
+        <p:nvSpPr>
+          <p:cNvPr id="2" name="Title 1">
+            <a:extLst>
+              <a:ext uri="{FF2B5EF4-FFF2-40B4-BE49-F238E27FC236}">
                 <a16:creationId xmlns:a16="http://schemas.microsoft.com/office/drawing/2014/main" id="{05DC065D-BF54-45FE-AEC0-656E76843CCB}"/>
               </a:ext>
             </a:extLst>
@@ -11171,7 +11729,7 @@
                 <a:latin typeface="Times New Roman" panose="02020603050405020304" pitchFamily="18" charset="0"/>
                 <a:cs typeface="Times New Roman" panose="02020603050405020304" pitchFamily="18" charset="0"/>
               </a:rPr>
-              <a:t>More Feature Exploration</a:t>
+              <a:t>Data Exploration</a:t>
             </a:r>
           </a:p>
         </p:txBody>
@@ -11204,43 +11762,8 @@
         </p:blipFill>
         <p:spPr>
           <a:xfrm>
-            <a:off x="6319977" y="2891068"/>
+            <a:off x="6096000" y="2923870"/>
             <a:ext cx="5487650" cy="3658433"/>
-          </a:xfrm>
-          <a:prstGeom prst="rect">
-            <a:avLst/>
-          </a:prstGeom>
-        </p:spPr>
-      </p:pic>
-      <p:pic>
-        <p:nvPicPr>
-          <p:cNvPr id="15" name="Picture 14">
-            <a:extLst>
-              <a:ext uri="{FF2B5EF4-FFF2-40B4-BE49-F238E27FC236}">
-                <a16:creationId xmlns:a16="http://schemas.microsoft.com/office/drawing/2014/main" id="{3591461D-6710-4D5A-AEB0-92D940B3EBED}"/>
-              </a:ext>
-            </a:extLst>
-          </p:cNvPr>
-          <p:cNvPicPr>
-            <a:picLocks noChangeAspect="1"/>
-          </p:cNvPicPr>
-          <p:nvPr/>
-        </p:nvPicPr>
-        <p:blipFill rotWithShape="1">
-          <a:blip r:embed="rId3">
-            <a:extLst>
-              <a:ext uri="{28A0092B-C50C-407E-A947-70E740481C1C}">
-                <a14:useLocalDpi xmlns:a14="http://schemas.microsoft.com/office/drawing/2010/main" val="0"/>
-              </a:ext>
-            </a:extLst>
-          </a:blip>
-          <a:srcRect l="8599" t="8510" r="14537" b="7890"/>
-          <a:stretch/>
-        </p:blipFill>
-        <p:spPr>
-          <a:xfrm>
-            <a:off x="384373" y="1759591"/>
-            <a:ext cx="5382666" cy="4789910"/>
           </a:xfrm>
           <a:prstGeom prst="rect">
             <a:avLst/>
@@ -11262,13 +11785,13 @@
           <p:nvPr>
             <p:extLst>
               <p:ext uri="{D42A27DB-BD31-4B8C-83A1-F6EECF244321}">
-                <p14:modId xmlns:p14="http://schemas.microsoft.com/office/powerpoint/2010/main" val="724780231"/>
+                <p14:modId xmlns:p14="http://schemas.microsoft.com/office/powerpoint/2010/main" val="1267469030"/>
               </p:ext>
             </p:extLst>
           </p:nvPr>
         </p:nvGraphicFramePr>
         <p:xfrm>
-          <a:off x="6319977" y="622900"/>
+          <a:off x="6096000" y="729310"/>
           <a:ext cx="5487650" cy="2194560"/>
         </p:xfrm>
         <a:graphic>
@@ -11495,6 +12018,41 @@
           </a:graphicData>
         </a:graphic>
       </p:graphicFrame>
+      <p:pic>
+        <p:nvPicPr>
+          <p:cNvPr id="8" name="Picture 7">
+            <a:extLst>
+              <a:ext uri="{FF2B5EF4-FFF2-40B4-BE49-F238E27FC236}">
+                <a16:creationId xmlns:a16="http://schemas.microsoft.com/office/drawing/2014/main" id="{48E51003-ED6D-4F31-B796-93D68247078E}"/>
+              </a:ext>
+            </a:extLst>
+          </p:cNvPr>
+          <p:cNvPicPr>
+            <a:picLocks noChangeAspect="1"/>
+          </p:cNvPicPr>
+          <p:nvPr/>
+        </p:nvPicPr>
+        <p:blipFill rotWithShape="1">
+          <a:blip r:embed="rId3">
+            <a:extLst>
+              <a:ext uri="{28A0092B-C50C-407E-A947-70E740481C1C}">
+                <a14:useLocalDpi xmlns:a14="http://schemas.microsoft.com/office/drawing/2010/main" val="0"/>
+              </a:ext>
+            </a:extLst>
+          </a:blip>
+          <a:srcRect l="1698" t="8325" r="13728" b="3114"/>
+          <a:stretch/>
+        </p:blipFill>
+        <p:spPr>
+          <a:xfrm>
+            <a:off x="203647" y="1741856"/>
+            <a:ext cx="5649710" cy="4840447"/>
+          </a:xfrm>
+          <a:prstGeom prst="rect">
+            <a:avLst/>
+          </a:prstGeom>
+        </p:spPr>
+      </p:pic>
     </p:spTree>
     <p:extLst>
       <p:ext uri="{BB962C8B-B14F-4D97-AF65-F5344CB8AC3E}">
@@ -11508,7 +12066,7 @@
 </p:sld>
 </file>
 
-<file path=ppt/slides/slide7.xml><?xml version="1.0" encoding="utf-8"?>
+<file path=ppt/slides/slide8.xml><?xml version="1.0" encoding="utf-8"?>
 <p:sld xmlns:a="http://schemas.openxmlformats.org/drawingml/2006/main" xmlns:r="http://schemas.openxmlformats.org/officeDocument/2006/relationships" xmlns:p="http://schemas.openxmlformats.org/presentationml/2006/main">
   <p:cSld>
     <p:spTree>
@@ -11606,11 +12164,11 @@
               <a:rPr lang="en-US" sz="4900" dirty="0"/>
             </a:br>
             <a:r>
-              <a:rPr lang="en-US" dirty="0">
+              <a:rPr lang="en-US" sz="4900" dirty="0">
                 <a:latin typeface="Times New Roman" panose="02020603050405020304" pitchFamily="18" charset="0"/>
                 <a:cs typeface="Times New Roman" panose="02020603050405020304" pitchFamily="18" charset="0"/>
               </a:rPr>
-              <a:t>Feature Engineering</a:t>
+              <a:t>Data Exploration</a:t>
             </a:r>
             <a:br>
               <a:rPr lang="en-US" sz="3600" u="sng" dirty="0"/>
@@ -11725,8 +12283,37 @@
         </p:blipFill>
         <p:spPr>
           <a:xfrm>
-            <a:off x="8448394" y="3241325"/>
+            <a:off x="8550276" y="3241325"/>
             <a:ext cx="3395267" cy="3048984"/>
+          </a:xfrm>
+          <a:prstGeom prst="rect">
+            <a:avLst/>
+          </a:prstGeom>
+        </p:spPr>
+      </p:pic>
+      <p:pic>
+        <p:nvPicPr>
+          <p:cNvPr id="5" name="Picture 4">
+            <a:extLst>
+              <a:ext uri="{FF2B5EF4-FFF2-40B4-BE49-F238E27FC236}">
+                <a16:creationId xmlns:a16="http://schemas.microsoft.com/office/drawing/2014/main" id="{D84B01FE-6D17-4F5E-A9FC-6B16536DB601}"/>
+              </a:ext>
+            </a:extLst>
+          </p:cNvPr>
+          <p:cNvPicPr>
+            <a:picLocks noChangeAspect="1"/>
+          </p:cNvPicPr>
+          <p:nvPr/>
+        </p:nvPicPr>
+        <p:blipFill rotWithShape="1">
+          <a:blip r:embed="rId4"/>
+          <a:srcRect l="26560" t="38899" r="43234" b="43486"/>
+          <a:stretch/>
+        </p:blipFill>
+        <p:spPr>
+          <a:xfrm>
+            <a:off x="6269143" y="744789"/>
+            <a:ext cx="5767347" cy="1891797"/>
           </a:xfrm>
           <a:prstGeom prst="rect">
             <a:avLst/>
@@ -11821,7 +12408,7 @@
 </p:sld>
 </file>
 
-<file path=ppt/slides/slide8.xml><?xml version="1.0" encoding="utf-8"?>
+<file path=ppt/slides/slide9.xml><?xml version="1.0" encoding="utf-8"?>
 <p:sld xmlns:a="http://schemas.openxmlformats.org/drawingml/2006/main" xmlns:r="http://schemas.openxmlformats.org/officeDocument/2006/relationships" xmlns:p="http://schemas.openxmlformats.org/presentationml/2006/main">
   <p:cSld>
     <p:spTree>
@@ -11899,7 +12486,7 @@
                 <a:latin typeface="Times New Roman" panose="02020603050405020304" pitchFamily="18" charset="0"/>
                 <a:cs typeface="Times New Roman" panose="02020603050405020304" pitchFamily="18" charset="0"/>
               </a:rPr>
-              <a:t>Decision Tree 	</a:t>
+              <a:t>Trained Decision Tree 	</a:t>
             </a:r>
           </a:p>
           <a:p>
@@ -11932,7 +12519,7 @@
                 <a:latin typeface="Times New Roman" panose="02020603050405020304" pitchFamily="18" charset="0"/>
                 <a:cs typeface="Times New Roman" panose="02020603050405020304" pitchFamily="18" charset="0"/>
               </a:rPr>
-              <a:t>Random Forest </a:t>
+              <a:t>Trained Random Forest </a:t>
             </a:r>
           </a:p>
           <a:p>
@@ -11969,7 +12556,7 @@
                 <a:latin typeface="Times New Roman" panose="02020603050405020304" pitchFamily="18" charset="0"/>
                 <a:cs typeface="Times New Roman" panose="02020603050405020304" pitchFamily="18" charset="0"/>
               </a:rPr>
-              <a:t>Simple Neural Network</a:t>
+              <a:t>Feed Forward Neural Network</a:t>
             </a:r>
           </a:p>
           <a:p>
@@ -12087,244 +12674,8 @@
         </p:blipFill>
         <p:spPr>
           <a:xfrm>
-            <a:off x="5525548" y="3856460"/>
+            <a:off x="5642994" y="1027906"/>
             <a:ext cx="5487650" cy="2636415"/>
-          </a:xfrm>
-          <a:prstGeom prst="rect">
-            <a:avLst/>
-          </a:prstGeom>
-        </p:spPr>
-      </p:pic>
-      <p:pic>
-        <p:nvPicPr>
-          <p:cNvPr id="7" name="Picture 6">
-            <a:extLst>
-              <a:ext uri="{FF2B5EF4-FFF2-40B4-BE49-F238E27FC236}">
-                <a16:creationId xmlns:a16="http://schemas.microsoft.com/office/drawing/2014/main" id="{42FF85BC-A09C-4364-9C1E-CCD393F268EE}"/>
-              </a:ext>
-            </a:extLst>
-          </p:cNvPr>
-          <p:cNvPicPr>
-            <a:picLocks noChangeAspect="1"/>
-          </p:cNvPicPr>
-          <p:nvPr/>
-        </p:nvPicPr>
-        <p:blipFill>
-          <a:blip r:embed="rId3"/>
-          <a:stretch>
-            <a:fillRect/>
-          </a:stretch>
-        </p:blipFill>
-        <p:spPr>
-          <a:xfrm>
-            <a:off x="4734989" y="515566"/>
-            <a:ext cx="7317124" cy="3124843"/>
-          </a:xfrm>
-          <a:prstGeom prst="rect">
-            <a:avLst/>
-          </a:prstGeom>
-        </p:spPr>
-      </p:pic>
-      <p:sp>
-        <p:nvSpPr>
-          <p:cNvPr id="8" name="Rectangle 7">
-            <a:extLst>
-              <a:ext uri="{FF2B5EF4-FFF2-40B4-BE49-F238E27FC236}">
-                <a16:creationId xmlns:a16="http://schemas.microsoft.com/office/drawing/2014/main" id="{C8956741-71AB-4C44-9BA4-5C9F586FC4E7}"/>
-              </a:ext>
-            </a:extLst>
-          </p:cNvPr>
-          <p:cNvSpPr/>
-          <p:nvPr/>
-        </p:nvSpPr>
-        <p:spPr>
-          <a:xfrm>
-            <a:off x="5794442" y="681037"/>
-            <a:ext cx="631525" cy="2531946"/>
-          </a:xfrm>
-          <a:prstGeom prst="rect">
-            <a:avLst/>
-          </a:prstGeom>
-          <a:solidFill>
-            <a:schemeClr val="tx1"/>
-          </a:solidFill>
-          <a:ln>
-            <a:solidFill>
-              <a:schemeClr val="tx1"/>
-            </a:solidFill>
-          </a:ln>
-        </p:spPr>
-        <p:style>
-          <a:lnRef idx="2">
-            <a:schemeClr val="accent1">
-              <a:shade val="50000"/>
-            </a:schemeClr>
-          </a:lnRef>
-          <a:fillRef idx="1">
-            <a:schemeClr val="accent1"/>
-          </a:fillRef>
-          <a:effectRef idx="0">
-            <a:schemeClr val="accent1"/>
-          </a:effectRef>
-          <a:fontRef idx="minor">
-            <a:schemeClr val="lt1"/>
-          </a:fontRef>
-        </p:style>
-        <p:txBody>
-          <a:bodyPr rtlCol="0" anchor="ctr"/>
-          <a:lstStyle/>
-          <a:p>
-            <a:pPr algn="ctr"/>
-            <a:endParaRPr lang="en-US"/>
-          </a:p>
-        </p:txBody>
-      </p:sp>
-    </p:spTree>
-    <p:extLst>
-      <p:ext uri="{BB962C8B-B14F-4D97-AF65-F5344CB8AC3E}">
-        <p14:creationId xmlns:p14="http://schemas.microsoft.com/office/powerpoint/2010/main" val="2983265276"/>
-      </p:ext>
-    </p:extLst>
-  </p:cSld>
-  <p:clrMapOvr>
-    <a:masterClrMapping/>
-  </p:clrMapOvr>
-</p:sld>
-</file>
-
-<file path=ppt/slides/slide9.xml><?xml version="1.0" encoding="utf-8"?>
-<p:sld xmlns:a="http://schemas.openxmlformats.org/drawingml/2006/main" xmlns:r="http://schemas.openxmlformats.org/officeDocument/2006/relationships" xmlns:p="http://schemas.openxmlformats.org/presentationml/2006/main">
-  <p:cSld>
-    <p:spTree>
-      <p:nvGrpSpPr>
-        <p:cNvPr id="1" name=""/>
-        <p:cNvGrpSpPr/>
-        <p:nvPr/>
-      </p:nvGrpSpPr>
-      <p:grpSpPr>
-        <a:xfrm>
-          <a:off x="0" y="0"/>
-          <a:ext cx="0" cy="0"/>
-          <a:chOff x="0" y="0"/>
-          <a:chExt cx="0" cy="0"/>
-        </a:xfrm>
-      </p:grpSpPr>
-      <p:sp>
-        <p:nvSpPr>
-          <p:cNvPr id="2" name="Title 1">
-            <a:extLst>
-              <a:ext uri="{FF2B5EF4-FFF2-40B4-BE49-F238E27FC236}">
-                <a16:creationId xmlns:a16="http://schemas.microsoft.com/office/drawing/2014/main" id="{1C035B57-F2B4-4105-AC41-7CBDA81FC69B}"/>
-              </a:ext>
-            </a:extLst>
-          </p:cNvPr>
-          <p:cNvSpPr>
-            <a:spLocks noGrp="1"/>
-          </p:cNvSpPr>
-          <p:nvPr>
-            <p:ph type="title"/>
-          </p:nvPr>
-        </p:nvSpPr>
-        <p:spPr/>
-        <p:txBody>
-          <a:bodyPr>
-            <a:normAutofit/>
-          </a:bodyPr>
-          <a:lstStyle/>
-          <a:p>
-            <a:r>
-              <a:rPr lang="en-US" sz="4000" dirty="0">
-                <a:latin typeface="Times New Roman" panose="02020603050405020304" pitchFamily="18" charset="0"/>
-                <a:cs typeface="Times New Roman" panose="02020603050405020304" pitchFamily="18" charset="0"/>
-              </a:rPr>
-              <a:t>Convolutional Neural Network Results</a:t>
-            </a:r>
-          </a:p>
-        </p:txBody>
-      </p:sp>
-      <p:pic>
-        <p:nvPicPr>
-          <p:cNvPr id="6" name="Content Placeholder 5">
-            <a:extLst>
-              <a:ext uri="{FF2B5EF4-FFF2-40B4-BE49-F238E27FC236}">
-                <a16:creationId xmlns:a16="http://schemas.microsoft.com/office/drawing/2014/main" id="{84D51EE9-E07E-4421-8B6B-2418B7327DCB}"/>
-              </a:ext>
-            </a:extLst>
-          </p:cNvPr>
-          <p:cNvPicPr>
-            <a:picLocks noGrp="1" noChangeAspect="1"/>
-          </p:cNvPicPr>
-          <p:nvPr>
-            <p:ph idx="1"/>
-          </p:nvPr>
-        </p:nvPicPr>
-        <p:blipFill rotWithShape="1">
-          <a:blip r:embed="rId2"/>
-          <a:srcRect l="26442" t="37740" r="55640" b="36013"/>
-          <a:stretch/>
-        </p:blipFill>
-        <p:spPr>
-          <a:xfrm>
-            <a:off x="5810504" y="2121407"/>
-            <a:ext cx="4592893" cy="3784443"/>
-          </a:xfrm>
-          <a:prstGeom prst="rect">
-            <a:avLst/>
-          </a:prstGeom>
-        </p:spPr>
-      </p:pic>
-      <p:pic>
-        <p:nvPicPr>
-          <p:cNvPr id="5" name="Picture 4">
-            <a:extLst>
-              <a:ext uri="{FF2B5EF4-FFF2-40B4-BE49-F238E27FC236}">
-                <a16:creationId xmlns:a16="http://schemas.microsoft.com/office/drawing/2014/main" id="{00506F79-D220-42A5-8BAB-D4DA66D1CE24}"/>
-              </a:ext>
-            </a:extLst>
-          </p:cNvPr>
-          <p:cNvPicPr>
-            <a:picLocks noChangeAspect="1"/>
-          </p:cNvPicPr>
-          <p:nvPr/>
-        </p:nvPicPr>
-        <p:blipFill rotWithShape="1">
-          <a:blip r:embed="rId3"/>
-          <a:srcRect l="26216" t="33192" r="46674" b="41407"/>
-          <a:stretch/>
-        </p:blipFill>
-        <p:spPr>
-          <a:xfrm>
-            <a:off x="764642" y="4440967"/>
-            <a:ext cx="4082260" cy="2151577"/>
-          </a:xfrm>
-          <a:prstGeom prst="rect">
-            <a:avLst/>
-          </a:prstGeom>
-        </p:spPr>
-      </p:pic>
-      <p:pic>
-        <p:nvPicPr>
-          <p:cNvPr id="3" name="Picture 2">
-            <a:extLst>
-              <a:ext uri="{FF2B5EF4-FFF2-40B4-BE49-F238E27FC236}">
-                <a16:creationId xmlns:a16="http://schemas.microsoft.com/office/drawing/2014/main" id="{53469272-F9D4-4541-8898-2B5218625DE0}"/>
-              </a:ext>
-            </a:extLst>
-          </p:cNvPr>
-          <p:cNvPicPr>
-            <a:picLocks noChangeAspect="1"/>
-          </p:cNvPicPr>
-          <p:nvPr/>
-        </p:nvPicPr>
-        <p:blipFill rotWithShape="1">
-          <a:blip r:embed="rId4"/>
-          <a:srcRect l="26448" t="34459" r="52631" b="40070"/>
-          <a:stretch/>
-        </p:blipFill>
-        <p:spPr>
-          <a:xfrm>
-            <a:off x="764642" y="1517639"/>
-            <a:ext cx="4082260" cy="2795660"/>
           </a:xfrm>
           <a:prstGeom prst="rect">
             <a:avLst/>
@@ -12334,7 +12685,7 @@
     </p:spTree>
     <p:extLst>
       <p:ext uri="{BB962C8B-B14F-4D97-AF65-F5344CB8AC3E}">
-        <p14:creationId xmlns:p14="http://schemas.microsoft.com/office/powerpoint/2010/main" val="3977036947"/>
+        <p14:creationId xmlns:p14="http://schemas.microsoft.com/office/powerpoint/2010/main" val="2983265276"/>
       </p:ext>
     </p:extLst>
   </p:cSld>
